--- a/MobileSuitDatabase/docs/画面レイアウト/モビルスーツ装備編集画面.pptx
+++ b/MobileSuitDatabase/docs/画面レイアウト/モビルスーツ装備編集画面.pptx
@@ -243,7 +243,7 @@
           <a:p>
             <a:fld id="{D4B91D3A-2976-438C-9474-F325429F297B}" type="datetimeFigureOut">
               <a:rPr kumimoji="1" lang="ja-JP" altLang="en-US" smtClean="0"/>
-              <a:t>2022/3/19</a:t>
+              <a:t>2022/3/21</a:t>
             </a:fld>
             <a:endParaRPr kumimoji="1" lang="ja-JP" altLang="en-US"/>
           </a:p>
@@ -445,7 +445,7 @@
           <a:p>
             <a:fld id="{D4B91D3A-2976-438C-9474-F325429F297B}" type="datetimeFigureOut">
               <a:rPr kumimoji="1" lang="ja-JP" altLang="en-US" smtClean="0"/>
-              <a:t>2022/3/19</a:t>
+              <a:t>2022/3/21</a:t>
             </a:fld>
             <a:endParaRPr kumimoji="1" lang="ja-JP" altLang="en-US"/>
           </a:p>
@@ -657,7 +657,7 @@
           <a:p>
             <a:fld id="{D4B91D3A-2976-438C-9474-F325429F297B}" type="datetimeFigureOut">
               <a:rPr kumimoji="1" lang="ja-JP" altLang="en-US" smtClean="0"/>
-              <a:t>2022/3/19</a:t>
+              <a:t>2022/3/21</a:t>
             </a:fld>
             <a:endParaRPr kumimoji="1" lang="ja-JP" altLang="en-US"/>
           </a:p>
@@ -859,7 +859,7 @@
           <a:p>
             <a:fld id="{D4B91D3A-2976-438C-9474-F325429F297B}" type="datetimeFigureOut">
               <a:rPr kumimoji="1" lang="ja-JP" altLang="en-US" smtClean="0"/>
-              <a:t>2022/3/19</a:t>
+              <a:t>2022/3/21</a:t>
             </a:fld>
             <a:endParaRPr kumimoji="1" lang="ja-JP" altLang="en-US"/>
           </a:p>
@@ -1103,7 +1103,7 @@
           <a:p>
             <a:fld id="{D4B91D3A-2976-438C-9474-F325429F297B}" type="datetimeFigureOut">
               <a:rPr kumimoji="1" lang="ja-JP" altLang="en-US" smtClean="0"/>
-              <a:t>2022/3/19</a:t>
+              <a:t>2022/3/21</a:t>
             </a:fld>
             <a:endParaRPr kumimoji="1" lang="ja-JP" altLang="en-US"/>
           </a:p>
@@ -1399,7 +1399,7 @@
           <a:p>
             <a:fld id="{D4B91D3A-2976-438C-9474-F325429F297B}" type="datetimeFigureOut">
               <a:rPr kumimoji="1" lang="ja-JP" altLang="en-US" smtClean="0"/>
-              <a:t>2022/3/19</a:t>
+              <a:t>2022/3/21</a:t>
             </a:fld>
             <a:endParaRPr kumimoji="1" lang="ja-JP" altLang="en-US"/>
           </a:p>
@@ -1830,7 +1830,7 @@
           <a:p>
             <a:fld id="{D4B91D3A-2976-438C-9474-F325429F297B}" type="datetimeFigureOut">
               <a:rPr kumimoji="1" lang="ja-JP" altLang="en-US" smtClean="0"/>
-              <a:t>2022/3/19</a:t>
+              <a:t>2022/3/21</a:t>
             </a:fld>
             <a:endParaRPr kumimoji="1" lang="ja-JP" altLang="en-US"/>
           </a:p>
@@ -1948,7 +1948,7 @@
           <a:p>
             <a:fld id="{D4B91D3A-2976-438C-9474-F325429F297B}" type="datetimeFigureOut">
               <a:rPr kumimoji="1" lang="ja-JP" altLang="en-US" smtClean="0"/>
-              <a:t>2022/3/19</a:t>
+              <a:t>2022/3/21</a:t>
             </a:fld>
             <a:endParaRPr kumimoji="1" lang="ja-JP" altLang="en-US"/>
           </a:p>
@@ -2043,7 +2043,7 @@
           <a:p>
             <a:fld id="{D4B91D3A-2976-438C-9474-F325429F297B}" type="datetimeFigureOut">
               <a:rPr kumimoji="1" lang="ja-JP" altLang="en-US" smtClean="0"/>
-              <a:t>2022/3/19</a:t>
+              <a:t>2022/3/21</a:t>
             </a:fld>
             <a:endParaRPr kumimoji="1" lang="ja-JP" altLang="en-US"/>
           </a:p>
@@ -2352,7 +2352,7 @@
           <a:p>
             <a:fld id="{D4B91D3A-2976-438C-9474-F325429F297B}" type="datetimeFigureOut">
               <a:rPr kumimoji="1" lang="ja-JP" altLang="en-US" smtClean="0"/>
-              <a:t>2022/3/19</a:t>
+              <a:t>2022/3/21</a:t>
             </a:fld>
             <a:endParaRPr kumimoji="1" lang="ja-JP" altLang="en-US"/>
           </a:p>
@@ -2609,7 +2609,7 @@
           <a:p>
             <a:fld id="{D4B91D3A-2976-438C-9474-F325429F297B}" type="datetimeFigureOut">
               <a:rPr kumimoji="1" lang="ja-JP" altLang="en-US" smtClean="0"/>
-              <a:t>2022/3/19</a:t>
+              <a:t>2022/3/21</a:t>
             </a:fld>
             <a:endParaRPr kumimoji="1" lang="ja-JP" altLang="en-US"/>
           </a:p>
@@ -2854,7 +2854,7 @@
           <a:p>
             <a:fld id="{D4B91D3A-2976-438C-9474-F325429F297B}" type="datetimeFigureOut">
               <a:rPr kumimoji="1" lang="ja-JP" altLang="en-US" smtClean="0"/>
-              <a:t>2022/3/19</a:t>
+              <a:t>2022/3/21</a:t>
             </a:fld>
             <a:endParaRPr kumimoji="1" lang="ja-JP" altLang="en-US"/>
           </a:p>
@@ -3358,7 +3358,7 @@
                   <a:schemeClr val="tx1"/>
                 </a:solidFill>
               </a:rPr>
-              <a:t>プルダウン</a:t>
+              <a:t>機体名</a:t>
             </a:r>
           </a:p>
         </p:txBody>
@@ -3608,7 +3608,42 @@
                   <a:schemeClr val="tx1"/>
                 </a:solidFill>
               </a:rPr>
-              <a:t>プルダウン</a:t>
+              <a:t>武装名</a:t>
+            </a:r>
+          </a:p>
+        </p:txBody>
+      </p:sp>
+      <p:sp>
+        <p:nvSpPr>
+          <p:cNvPr id="11" name="テキスト ボックス 10">
+            <a:extLst>
+              <a:ext uri="{FF2B5EF4-FFF2-40B4-BE49-F238E27FC236}">
+                <a16:creationId xmlns:a16="http://schemas.microsoft.com/office/drawing/2014/main" id="{BB17E01F-41F6-42D7-B464-9503C26B6CEB}"/>
+              </a:ext>
+            </a:extLst>
+          </p:cNvPr>
+          <p:cNvSpPr txBox="1"/>
+          <p:nvPr/>
+        </p:nvSpPr>
+        <p:spPr>
+          <a:xfrm>
+            <a:off x="789375" y="4601659"/>
+            <a:ext cx="1500187" cy="369332"/>
+          </a:xfrm>
+          <a:prstGeom prst="rect">
+            <a:avLst/>
+          </a:prstGeom>
+          <a:noFill/>
+        </p:spPr>
+        <p:txBody>
+          <a:bodyPr wrap="square" rtlCol="0">
+            <a:spAutoFit/>
+          </a:bodyPr>
+          <a:lstStyle/>
+          <a:p>
+            <a:r>
+              <a:rPr kumimoji="1" lang="ja-JP" altLang="en-US" dirty="0"/>
+              <a:t>削除</a:t>
             </a:r>
           </a:p>
         </p:txBody>
